--- a/definition/PR.PPTX
+++ b/definition/PR.PPTX
@@ -292,7 +292,7 @@
             <a:fld id="{5586B75A-687E-405C-8A0B-8D00578BA2C3}" type="datetimeFigureOut">
               <a:rPr lang="en-US" smtClean="0"/>
               <a:pPr/>
-              <a:t>4/13/2018</a:t>
+              <a:t>4/16/2018</a:t>
             </a:fld>
             <a:endParaRPr lang="en-US"/>
           </a:p>
@@ -527,7 +527,7 @@
             <a:fld id="{5586B75A-687E-405C-8A0B-8D00578BA2C3}" type="datetimeFigureOut">
               <a:rPr lang="en-US" smtClean="0"/>
               <a:pPr/>
-              <a:t>4/13/2018</a:t>
+              <a:t>4/16/2018</a:t>
             </a:fld>
             <a:endParaRPr lang="en-US"/>
           </a:p>
@@ -709,7 +709,7 @@
             <a:fld id="{5586B75A-687E-405C-8A0B-8D00578BA2C3}" type="datetimeFigureOut">
               <a:rPr lang="en-US" smtClean="0"/>
               <a:pPr/>
-              <a:t>4/13/2018</a:t>
+              <a:t>4/16/2018</a:t>
             </a:fld>
             <a:endParaRPr lang="en-US"/>
           </a:p>
@@ -886,7 +886,7 @@
             <a:fld id="{5586B75A-687E-405C-8A0B-8D00578BA2C3}" type="datetimeFigureOut">
               <a:rPr lang="en-US" smtClean="0"/>
               <a:pPr/>
-              <a:t>4/13/2018</a:t>
+              <a:t>4/16/2018</a:t>
             </a:fld>
             <a:endParaRPr lang="en-US"/>
           </a:p>
@@ -1142,7 +1142,7 @@
             <a:fld id="{5586B75A-687E-405C-8A0B-8D00578BA2C3}" type="datetimeFigureOut">
               <a:rPr lang="en-US" smtClean="0"/>
               <a:pPr/>
-              <a:t>4/13/2018</a:t>
+              <a:t>4/16/2018</a:t>
             </a:fld>
             <a:endParaRPr lang="en-US"/>
           </a:p>
@@ -1475,7 +1475,7 @@
             <a:fld id="{5586B75A-687E-405C-8A0B-8D00578BA2C3}" type="datetimeFigureOut">
               <a:rPr lang="en-US" smtClean="0"/>
               <a:pPr/>
-              <a:t>4/13/2018</a:t>
+              <a:t>4/16/2018</a:t>
             </a:fld>
             <a:endParaRPr lang="en-US"/>
           </a:p>
@@ -1933,7 +1933,7 @@
             <a:fld id="{5586B75A-687E-405C-8A0B-8D00578BA2C3}" type="datetimeFigureOut">
               <a:rPr lang="en-US" smtClean="0"/>
               <a:pPr/>
-              <a:t>4/13/2018</a:t>
+              <a:t>4/16/2018</a:t>
             </a:fld>
             <a:endParaRPr lang="en-US"/>
           </a:p>
@@ -2058,7 +2058,7 @@
             <a:fld id="{5586B75A-687E-405C-8A0B-8D00578BA2C3}" type="datetimeFigureOut">
               <a:rPr lang="en-US" smtClean="0"/>
               <a:pPr/>
-              <a:t>4/13/2018</a:t>
+              <a:t>4/16/2018</a:t>
             </a:fld>
             <a:endParaRPr lang="en-US"/>
           </a:p>
@@ -2155,7 +2155,7 @@
             <a:fld id="{5586B75A-687E-405C-8A0B-8D00578BA2C3}" type="datetimeFigureOut">
               <a:rPr lang="en-US" smtClean="0"/>
               <a:pPr/>
-              <a:t>4/13/2018</a:t>
+              <a:t>4/16/2018</a:t>
             </a:fld>
             <a:endParaRPr lang="en-US"/>
           </a:p>
@@ -2444,7 +2444,7 @@
             <a:fld id="{5586B75A-687E-405C-8A0B-8D00578BA2C3}" type="datetimeFigureOut">
               <a:rPr lang="en-US" smtClean="0"/>
               <a:pPr/>
-              <a:t>4/13/2018</a:t>
+              <a:t>4/16/2018</a:t>
             </a:fld>
             <a:endParaRPr lang="en-US"/>
           </a:p>
@@ -2775,7 +2775,7 @@
             <a:fld id="{5586B75A-687E-405C-8A0B-8D00578BA2C3}" type="datetimeFigureOut">
               <a:rPr lang="en-US" smtClean="0"/>
               <a:pPr/>
-              <a:t>4/13/2018</a:t>
+              <a:t>4/16/2018</a:t>
             </a:fld>
             <a:endParaRPr lang="en-US"/>
           </a:p>
@@ -3031,7 +3031,7 @@
             <a:fld id="{5586B75A-687E-405C-8A0B-8D00578BA2C3}" type="datetimeFigureOut">
               <a:rPr lang="en-US" smtClean="0"/>
               <a:pPr/>
-              <a:t>4/13/2018</a:t>
+              <a:t>4/16/2018</a:t>
             </a:fld>
             <a:endParaRPr lang="en-US"/>
           </a:p>
@@ -5733,8 +5733,8 @@
         </p:nvSpPr>
         <p:spPr>
           <a:xfrm>
-            <a:off x="0" y="-80363"/>
-            <a:ext cx="2799184" cy="493596"/>
+            <a:off x="4459442" y="-80363"/>
+            <a:ext cx="1969493" cy="493596"/>
           </a:xfrm>
         </p:spPr>
         <p:txBody>
@@ -5744,14 +5744,23 @@
           <a:lstStyle/>
           <a:p>
             <a:r>
-              <a:rPr lang="es-ES_tradnl" sz="2800" dirty="0"/>
+              <a:rPr lang="es-ES_tradnl" sz="2400" dirty="0">
+                <a:latin typeface="Arial" panose="020B0604020202020204" pitchFamily="34" charset="0"/>
+                <a:cs typeface="Arial" panose="020B0604020202020204" pitchFamily="34" charset="0"/>
+              </a:rPr>
               <a:t>Flow </a:t>
             </a:r>
             <a:r>
-              <a:rPr lang="es-ES_tradnl" sz="2800" dirty="0" err="1"/>
+              <a:rPr lang="es-ES_tradnl" sz="2400" dirty="0" err="1">
+                <a:latin typeface="Arial" panose="020B0604020202020204" pitchFamily="34" charset="0"/>
+                <a:cs typeface="Arial" panose="020B0604020202020204" pitchFamily="34" charset="0"/>
+              </a:rPr>
               <a:t>Process</a:t>
             </a:r>
-            <a:endParaRPr lang="es-ES_tradnl" sz="2800" dirty="0"/>
+            <a:endParaRPr lang="es-ES_tradnl" sz="2400" dirty="0">
+              <a:latin typeface="Arial" panose="020B0604020202020204" pitchFamily="34" charset="0"/>
+              <a:cs typeface="Arial" panose="020B0604020202020204" pitchFamily="34" charset="0"/>
+            </a:endParaRPr>
           </a:p>
         </p:txBody>
       </p:sp>
@@ -5770,26 +5779,25 @@
         <p:spPr>
           <a:xfrm>
             <a:off x="255533" y="428158"/>
-            <a:ext cx="1100831" cy="621437"/>
+            <a:ext cx="1100831" cy="365881"/>
           </a:xfrm>
           <a:prstGeom prst="rect">
             <a:avLst/>
           </a:prstGeom>
+          <a:ln w="9525"/>
         </p:spPr>
         <p:style>
           <a:lnRef idx="2">
-            <a:schemeClr val="accent1">
-              <a:shade val="50000"/>
-            </a:schemeClr>
+            <a:schemeClr val="dk1"/>
           </a:lnRef>
           <a:fillRef idx="1">
-            <a:schemeClr val="accent1"/>
+            <a:schemeClr val="lt1"/>
           </a:fillRef>
           <a:effectRef idx="0">
-            <a:schemeClr val="accent1"/>
+            <a:schemeClr val="dk1"/>
           </a:effectRef>
           <a:fontRef idx="minor">
-            <a:schemeClr val="lt1"/>
+            <a:schemeClr val="dk1"/>
           </a:fontRef>
         </p:style>
         <p:txBody>
@@ -5798,7 +5806,10 @@
           <a:p>
             <a:pPr algn="ctr"/>
             <a:r>
-              <a:rPr lang="en-US" sz="1200" dirty="0"/>
+              <a:rPr lang="en-US" sz="1200" dirty="0">
+                <a:latin typeface="Arial" panose="020B0604020202020204" pitchFamily="34" charset="0"/>
+                <a:cs typeface="Arial" panose="020B0604020202020204" pitchFamily="34" charset="0"/>
+              </a:rPr>
               <a:t>User</a:t>
             </a:r>
           </a:p>
@@ -5818,27 +5829,26 @@
         </p:nvSpPr>
         <p:spPr>
           <a:xfrm>
-            <a:off x="1889834" y="426673"/>
-            <a:ext cx="1857208" cy="621437"/>
+            <a:off x="1889834" y="426674"/>
+            <a:ext cx="1857208" cy="367366"/>
           </a:xfrm>
           <a:prstGeom prst="rect">
             <a:avLst/>
           </a:prstGeom>
+          <a:ln w="9525"/>
         </p:spPr>
         <p:style>
           <a:lnRef idx="2">
-            <a:schemeClr val="accent1">
-              <a:shade val="50000"/>
-            </a:schemeClr>
+            <a:schemeClr val="dk1"/>
           </a:lnRef>
           <a:fillRef idx="1">
-            <a:schemeClr val="accent1"/>
+            <a:schemeClr val="lt1"/>
           </a:fillRef>
           <a:effectRef idx="0">
-            <a:schemeClr val="accent1"/>
+            <a:schemeClr val="dk1"/>
           </a:effectRef>
           <a:fontRef idx="minor">
-            <a:schemeClr val="lt1"/>
+            <a:schemeClr val="dk1"/>
           </a:fontRef>
         </p:style>
         <p:txBody>
@@ -5847,7 +5857,10 @@
           <a:p>
             <a:pPr algn="ctr"/>
             <a:r>
-              <a:rPr lang="en-US" sz="1200" dirty="0"/>
+              <a:rPr lang="en-US" sz="1200" dirty="0">
+                <a:latin typeface="Arial" panose="020B0604020202020204" pitchFamily="34" charset="0"/>
+                <a:cs typeface="Arial" panose="020B0604020202020204" pitchFamily="34" charset="0"/>
+              </a:rPr>
               <a:t>Department Manager</a:t>
             </a:r>
           </a:p>
@@ -5867,27 +5880,26 @@
         </p:nvSpPr>
         <p:spPr>
           <a:xfrm>
-            <a:off x="8044064" y="426673"/>
-            <a:ext cx="1100831" cy="621437"/>
+            <a:off x="8044064" y="426674"/>
+            <a:ext cx="1100831" cy="367368"/>
           </a:xfrm>
           <a:prstGeom prst="rect">
             <a:avLst/>
           </a:prstGeom>
+          <a:ln w="9525"/>
         </p:spPr>
         <p:style>
           <a:lnRef idx="2">
-            <a:schemeClr val="accent1">
-              <a:shade val="50000"/>
-            </a:schemeClr>
+            <a:schemeClr val="dk1"/>
           </a:lnRef>
           <a:fillRef idx="1">
-            <a:schemeClr val="accent1"/>
+            <a:schemeClr val="lt1"/>
           </a:fillRef>
           <a:effectRef idx="0">
-            <a:schemeClr val="accent1"/>
+            <a:schemeClr val="dk1"/>
           </a:effectRef>
           <a:fontRef idx="minor">
-            <a:schemeClr val="lt1"/>
+            <a:schemeClr val="dk1"/>
           </a:fontRef>
         </p:style>
         <p:txBody>
@@ -5896,7 +5908,10 @@
           <a:p>
             <a:pPr algn="ctr"/>
             <a:r>
-              <a:rPr lang="en-US" sz="1200" dirty="0"/>
+              <a:rPr lang="en-US" sz="1200" dirty="0">
+                <a:latin typeface="Arial" panose="020B0604020202020204" pitchFamily="34" charset="0"/>
+                <a:cs typeface="Arial" panose="020B0604020202020204" pitchFamily="34" charset="0"/>
+              </a:rPr>
               <a:t>MRO</a:t>
             </a:r>
           </a:p>
@@ -5916,27 +5931,26 @@
         </p:nvSpPr>
         <p:spPr>
           <a:xfrm>
-            <a:off x="9369283" y="426673"/>
-            <a:ext cx="1764517" cy="621437"/>
+            <a:off x="9369283" y="426674"/>
+            <a:ext cx="1764517" cy="367368"/>
           </a:xfrm>
           <a:prstGeom prst="rect">
             <a:avLst/>
           </a:prstGeom>
+          <a:ln w="9525"/>
         </p:spPr>
         <p:style>
           <a:lnRef idx="2">
-            <a:schemeClr val="accent1">
-              <a:shade val="50000"/>
-            </a:schemeClr>
+            <a:schemeClr val="dk1"/>
           </a:lnRef>
           <a:fillRef idx="1">
-            <a:schemeClr val="accent1"/>
+            <a:schemeClr val="lt1"/>
           </a:fillRef>
           <a:effectRef idx="0">
-            <a:schemeClr val="accent1"/>
+            <a:schemeClr val="dk1"/>
           </a:effectRef>
           <a:fontRef idx="minor">
-            <a:schemeClr val="lt1"/>
+            <a:schemeClr val="dk1"/>
           </a:fontRef>
         </p:style>
         <p:txBody>
@@ -5945,7 +5959,10 @@
           <a:p>
             <a:pPr algn="ctr"/>
             <a:r>
-              <a:rPr lang="en-US" sz="1200" dirty="0"/>
+              <a:rPr lang="en-US" sz="1200" dirty="0">
+                <a:latin typeface="Arial" panose="020B0604020202020204" pitchFamily="34" charset="0"/>
+                <a:cs typeface="Arial" panose="020B0604020202020204" pitchFamily="34" charset="0"/>
+              </a:rPr>
               <a:t>Purchasing Manager</a:t>
             </a:r>
           </a:p>
@@ -5968,13 +5985,13 @@
         </p:nvCxnSpPr>
         <p:spPr>
           <a:xfrm>
-            <a:off x="805949" y="1049595"/>
-            <a:ext cx="0" cy="5612462"/>
+            <a:off x="805949" y="794039"/>
+            <a:ext cx="0" cy="5943600"/>
           </a:xfrm>
           <a:prstGeom prst="line">
             <a:avLst/>
           </a:prstGeom>
-          <a:ln w="28575">
+          <a:ln w="19050">
             <a:prstDash val="dash"/>
           </a:ln>
         </p:spPr>
@@ -6009,13 +6026,13 @@
         </p:nvCxnSpPr>
         <p:spPr>
           <a:xfrm>
-            <a:off x="2645967" y="1048110"/>
-            <a:ext cx="18597" cy="5613947"/>
+            <a:off x="2645967" y="794886"/>
+            <a:ext cx="18597" cy="5852160"/>
           </a:xfrm>
           <a:prstGeom prst="line">
             <a:avLst/>
           </a:prstGeom>
-          <a:ln w="28575">
+          <a:ln w="19050">
             <a:prstDash val="dash"/>
           </a:ln>
         </p:spPr>
@@ -6050,13 +6067,13 @@
         </p:nvCxnSpPr>
         <p:spPr>
           <a:xfrm>
-            <a:off x="8585158" y="1048111"/>
-            <a:ext cx="7449" cy="5613946"/>
+            <a:off x="8525022" y="837027"/>
+            <a:ext cx="67585" cy="5782826"/>
           </a:xfrm>
           <a:prstGeom prst="line">
             <a:avLst/>
           </a:prstGeom>
-          <a:ln w="28575">
+          <a:ln w="19050">
             <a:prstDash val="dash"/>
           </a:ln>
         </p:spPr>
@@ -6092,13 +6109,13 @@
         </p:nvCxnSpPr>
         <p:spPr>
           <a:xfrm>
-            <a:off x="10251542" y="1048110"/>
-            <a:ext cx="33420" cy="5613947"/>
+            <a:off x="10251542" y="794042"/>
+            <a:ext cx="33420" cy="5868015"/>
           </a:xfrm>
           <a:prstGeom prst="line">
             <a:avLst/>
           </a:prstGeom>
-          <a:ln w="28575">
+          <a:ln w="19050">
             <a:prstDash val="dash"/>
           </a:ln>
         </p:spPr>
@@ -6133,13 +6150,16 @@
         </p:nvCxnSpPr>
         <p:spPr>
           <a:xfrm>
-            <a:off x="786963" y="1459299"/>
-            <a:ext cx="1859806" cy="0"/>
+            <a:off x="935502" y="1480401"/>
+            <a:ext cx="1638406" cy="0"/>
           </a:xfrm>
           <a:prstGeom prst="straightConnector1">
             <a:avLst/>
           </a:prstGeom>
-          <a:ln w="38100">
+          <a:ln w="12700">
+            <a:solidFill>
+              <a:srgbClr val="0070C0"/>
+            </a:solidFill>
             <a:headEnd type="oval" w="med" len="med"/>
             <a:tailEnd type="triangle" w="med" len="med"/>
           </a:ln>
@@ -6175,13 +6195,16 @@
         </p:nvCxnSpPr>
         <p:spPr>
           <a:xfrm flipH="1">
-            <a:off x="2682811" y="2547972"/>
-            <a:ext cx="7568730" cy="26426"/>
+            <a:off x="2682811" y="2557708"/>
+            <a:ext cx="7501569" cy="16690"/>
           </a:xfrm>
           <a:prstGeom prst="straightConnector1">
             <a:avLst/>
           </a:prstGeom>
-          <a:ln w="38100">
+          <a:ln w="12700">
+            <a:solidFill>
+              <a:srgbClr val="00B050"/>
+            </a:solidFill>
             <a:headEnd type="oval" w="med" len="med"/>
             <a:tailEnd type="triangle" w="med" len="med"/>
           </a:ln>
@@ -6217,13 +6240,16 @@
         </p:nvCxnSpPr>
         <p:spPr>
           <a:xfrm>
-            <a:off x="2682809" y="2923242"/>
-            <a:ext cx="7568732" cy="0"/>
+            <a:off x="2740445" y="2923242"/>
+            <a:ext cx="7511096" cy="0"/>
           </a:xfrm>
           <a:prstGeom prst="straightConnector1">
             <a:avLst/>
           </a:prstGeom>
-          <a:ln w="38100">
+          <a:ln w="12700">
+            <a:solidFill>
+              <a:srgbClr val="FF0000"/>
+            </a:solidFill>
             <a:headEnd type="oval" w="med" len="med"/>
             <a:tailEnd type="triangle" w="med" len="med"/>
           </a:ln>
@@ -6257,7 +6283,7 @@
         </p:nvSpPr>
         <p:spPr>
           <a:xfrm>
-            <a:off x="1448313" y="1239263"/>
+            <a:off x="885527" y="1246297"/>
             <a:ext cx="673582" cy="246221"/>
           </a:xfrm>
           <a:prstGeom prst="rect">
@@ -6272,7 +6298,10 @@
           <a:lstStyle/>
           <a:p>
             <a:r>
-              <a:rPr lang="en-US" sz="1000" dirty="0"/>
+              <a:rPr lang="en-US" sz="1000" dirty="0">
+                <a:latin typeface="Arial" panose="020B0604020202020204" pitchFamily="34" charset="0"/>
+                <a:cs typeface="Arial" panose="020B0604020202020204" pitchFamily="34" charset="0"/>
+              </a:rPr>
               <a:t>Pending</a:t>
             </a:r>
           </a:p>
@@ -6292,7 +6321,7 @@
         </p:nvSpPr>
         <p:spPr>
           <a:xfrm>
-            <a:off x="1376845" y="5230306"/>
+            <a:off x="1749636" y="5195141"/>
             <a:ext cx="946093" cy="246221"/>
           </a:xfrm>
           <a:prstGeom prst="rect">
@@ -6307,7 +6336,10 @@
           <a:lstStyle/>
           <a:p>
             <a:r>
-              <a:rPr lang="en-US" sz="1000" dirty="0"/>
+              <a:rPr lang="en-US" sz="1000" dirty="0">
+                <a:latin typeface="Arial" panose="020B0604020202020204" pitchFamily="34" charset="0"/>
+                <a:cs typeface="Arial" panose="020B0604020202020204" pitchFamily="34" charset="0"/>
+              </a:rPr>
               <a:t>DM Rejected</a:t>
             </a:r>
           </a:p>
@@ -6329,13 +6361,16 @@
         </p:nvCxnSpPr>
         <p:spPr>
           <a:xfrm flipH="1">
-            <a:off x="815608" y="5471226"/>
+            <a:off x="815608" y="5436061"/>
             <a:ext cx="1847196" cy="0"/>
           </a:xfrm>
           <a:prstGeom prst="straightConnector1">
             <a:avLst/>
           </a:prstGeom>
-          <a:ln w="38100">
+          <a:ln w="12700">
+            <a:solidFill>
+              <a:srgbClr val="FF0000"/>
+            </a:solidFill>
             <a:headEnd type="oval" w="med" len="med"/>
             <a:tailEnd type="triangle" w="med" len="med"/>
           </a:ln>
@@ -6377,6 +6412,12 @@
           </a:prstGeom>
           <a:noFill/>
           <a:ln>
+            <a:solidFill>
+              <a:schemeClr val="tx2">
+                <a:lumMod val="60000"/>
+                <a:lumOff val="40000"/>
+              </a:schemeClr>
+            </a:solidFill>
             <a:prstDash val="dash"/>
           </a:ln>
         </p:spPr>
@@ -6417,8 +6458,8 @@
         </p:nvSpPr>
         <p:spPr>
           <a:xfrm>
-            <a:off x="9188595" y="2299045"/>
-            <a:ext cx="995785" cy="246221"/>
+            <a:off x="9188595" y="2313113"/>
+            <a:ext cx="957313" cy="246221"/>
           </a:xfrm>
           <a:prstGeom prst="rect">
             <a:avLst/>
@@ -6432,7 +6473,10 @@
           <a:lstStyle/>
           <a:p>
             <a:r>
-              <a:rPr lang="en-US" sz="1000" dirty="0"/>
+              <a:rPr lang="en-US" sz="1000" dirty="0">
+                <a:latin typeface="Arial" panose="020B0604020202020204" pitchFamily="34" charset="0"/>
+                <a:cs typeface="Arial" panose="020B0604020202020204" pitchFamily="34" charset="0"/>
+              </a:rPr>
               <a:t>PM Approved</a:t>
             </a:r>
           </a:p>
@@ -6452,7 +6496,7 @@
         </p:nvSpPr>
         <p:spPr>
           <a:xfrm>
-            <a:off x="9132077" y="1313581"/>
+            <a:off x="8550232" y="1342619"/>
             <a:ext cx="963725" cy="246221"/>
           </a:xfrm>
           <a:prstGeom prst="rect">
@@ -6467,7 +6511,10 @@
           <a:lstStyle/>
           <a:p>
             <a:r>
-              <a:rPr lang="en-US" sz="1000" dirty="0"/>
+              <a:rPr lang="en-US" sz="1000" dirty="0">
+                <a:latin typeface="Arial" panose="020B0604020202020204" pitchFamily="34" charset="0"/>
+                <a:cs typeface="Arial" panose="020B0604020202020204" pitchFamily="34" charset="0"/>
+              </a:rPr>
               <a:t>MRO Quoted</a:t>
             </a:r>
           </a:p>
@@ -6488,14 +6535,17 @@
           <p:nvPr/>
         </p:nvCxnSpPr>
         <p:spPr>
-          <a:xfrm flipV="1">
-            <a:off x="8594479" y="1559802"/>
-            <a:ext cx="1657062" cy="9331"/>
+          <a:xfrm>
+            <a:off x="8648700" y="1569134"/>
+            <a:ext cx="1535680" cy="2886"/>
           </a:xfrm>
           <a:prstGeom prst="straightConnector1">
             <a:avLst/>
           </a:prstGeom>
-          <a:ln w="38100">
+          <a:ln w="12700">
+            <a:solidFill>
+              <a:srgbClr val="0070C0"/>
+            </a:solidFill>
             <a:headEnd type="oval" w="med" len="med"/>
             <a:tailEnd type="triangle" w="med" len="med"/>
           </a:ln>
@@ -6530,13 +6580,19 @@
         <p:spPr>
           <a:xfrm>
             <a:off x="8434873" y="1265013"/>
-            <a:ext cx="2127377" cy="793025"/>
+            <a:ext cx="1989287" cy="793025"/>
           </a:xfrm>
           <a:prstGeom prst="rect">
             <a:avLst/>
           </a:prstGeom>
           <a:noFill/>
           <a:ln>
+            <a:solidFill>
+              <a:schemeClr val="tx2">
+                <a:lumMod val="60000"/>
+                <a:lumOff val="40000"/>
+              </a:schemeClr>
+            </a:solidFill>
             <a:prstDash val="dash"/>
           </a:ln>
         </p:spPr>
@@ -6579,13 +6635,16 @@
         </p:nvCxnSpPr>
         <p:spPr>
           <a:xfrm flipH="1">
-            <a:off x="8594479" y="1897404"/>
-            <a:ext cx="1690483" cy="0"/>
+            <a:off x="8594480" y="1897404"/>
+            <a:ext cx="1551428" cy="0"/>
           </a:xfrm>
           <a:prstGeom prst="straightConnector1">
             <a:avLst/>
           </a:prstGeom>
-          <a:ln w="38100">
+          <a:ln w="12700">
+            <a:solidFill>
+              <a:srgbClr val="FF0000"/>
+            </a:solidFill>
             <a:headEnd type="oval" w="med" len="med"/>
             <a:tailEnd type="triangle" w="med" len="med"/>
           </a:ln>
@@ -6619,8 +6678,8 @@
         </p:nvSpPr>
         <p:spPr>
           <a:xfrm>
-            <a:off x="3253540" y="2677021"/>
-            <a:ext cx="946093" cy="246221"/>
+            <a:off x="2676759" y="2669693"/>
+            <a:ext cx="1337226" cy="246221"/>
           </a:xfrm>
           <a:prstGeom prst="rect">
             <a:avLst/>
@@ -6634,8 +6693,11 @@
           <a:lstStyle/>
           <a:p>
             <a:r>
-              <a:rPr lang="en-US" sz="1000" dirty="0"/>
-              <a:t>DM Rejected</a:t>
+              <a:rPr lang="en-US" sz="1000" dirty="0">
+                <a:latin typeface="Arial" panose="020B0604020202020204" pitchFamily="34" charset="0"/>
+                <a:cs typeface="Arial" panose="020B0604020202020204" pitchFamily="34" charset="0"/>
+              </a:rPr>
+              <a:t>DM Quote Rejected</a:t>
             </a:r>
           </a:p>
         </p:txBody>
@@ -6654,8 +6716,8 @@
         </p:nvSpPr>
         <p:spPr>
           <a:xfrm>
-            <a:off x="3253540" y="3103603"/>
-            <a:ext cx="1010213" cy="246221"/>
+            <a:off x="2676759" y="3103603"/>
+            <a:ext cx="1346844" cy="246221"/>
           </a:xfrm>
           <a:prstGeom prst="rect">
             <a:avLst/>
@@ -6669,8 +6731,11 @@
           <a:lstStyle/>
           <a:p>
             <a:r>
-              <a:rPr lang="en-US" sz="1000" dirty="0"/>
-              <a:t>DM Approved</a:t>
+              <a:rPr lang="en-US" sz="1000" dirty="0">
+                <a:latin typeface="Arial" panose="020B0604020202020204" pitchFamily="34" charset="0"/>
+                <a:cs typeface="Arial" panose="020B0604020202020204" pitchFamily="34" charset="0"/>
+              </a:rPr>
+              <a:t>DM Quote Approved</a:t>
             </a:r>
           </a:p>
         </p:txBody>
@@ -6697,7 +6762,10 @@
           <a:prstGeom prst="straightConnector1">
             <a:avLst/>
           </a:prstGeom>
-          <a:ln w="38100">
+          <a:ln w="12700">
+            <a:solidFill>
+              <a:srgbClr val="00B050"/>
+            </a:solidFill>
             <a:headEnd type="oval" w="med" len="med"/>
             <a:tailEnd type="triangle" w="med" len="med"/>
           </a:ln>
@@ -6731,8 +6799,8 @@
         </p:nvSpPr>
         <p:spPr>
           <a:xfrm>
-            <a:off x="5476961" y="3785784"/>
-            <a:ext cx="946093" cy="246221"/>
+            <a:off x="4900186" y="3813920"/>
+            <a:ext cx="1337226" cy="246221"/>
           </a:xfrm>
           <a:prstGeom prst="rect">
             <a:avLst/>
@@ -6746,8 +6814,11 @@
           <a:lstStyle/>
           <a:p>
             <a:r>
-              <a:rPr lang="en-US" sz="1000" dirty="0"/>
-              <a:t>GM Rejected</a:t>
+              <a:rPr lang="en-US" sz="1000" dirty="0">
+                <a:latin typeface="Arial" panose="020B0604020202020204" pitchFamily="34" charset="0"/>
+                <a:cs typeface="Arial" panose="020B0604020202020204" pitchFamily="34" charset="0"/>
+              </a:rPr>
+              <a:t>GM Quote Rejected</a:t>
             </a:r>
           </a:p>
         </p:txBody>
@@ -6767,14 +6838,17 @@
           <p:nvPr/>
         </p:nvCxnSpPr>
         <p:spPr>
-          <a:xfrm>
-            <a:off x="815607" y="2211927"/>
-            <a:ext cx="7778872" cy="8068"/>
+          <a:xfrm flipV="1">
+            <a:off x="873112" y="2211538"/>
+            <a:ext cx="7651910" cy="2937"/>
           </a:xfrm>
           <a:prstGeom prst="straightConnector1">
             <a:avLst/>
           </a:prstGeom>
-          <a:ln w="38100">
+          <a:ln w="12700">
+            <a:solidFill>
+              <a:srgbClr val="0070C0"/>
+            </a:solidFill>
             <a:headEnd type="oval" w="med" len="med"/>
             <a:tailEnd type="triangle" w="med" len="med"/>
           </a:ln>
@@ -6808,7 +6882,7 @@
         </p:nvSpPr>
         <p:spPr>
           <a:xfrm>
-            <a:off x="1457598" y="1973774"/>
+            <a:off x="874067" y="1973774"/>
             <a:ext cx="933045" cy="246221"/>
           </a:xfrm>
           <a:prstGeom prst="rect">
@@ -6823,7 +6897,10 @@
           <a:lstStyle/>
           <a:p>
             <a:r>
-              <a:rPr lang="en-US" sz="1000" dirty="0"/>
+              <a:rPr lang="en-US" sz="1000" dirty="0">
+                <a:latin typeface="Arial" panose="020B0604020202020204" pitchFamily="34" charset="0"/>
+                <a:cs typeface="Arial" panose="020B0604020202020204" pitchFamily="34" charset="0"/>
+              </a:rPr>
               <a:t>MRO Quote</a:t>
             </a:r>
           </a:p>
@@ -6843,27 +6920,26 @@
         </p:nvSpPr>
         <p:spPr>
           <a:xfrm>
-            <a:off x="4152657" y="426671"/>
-            <a:ext cx="1661212" cy="621437"/>
+            <a:off x="4152657" y="426672"/>
+            <a:ext cx="1661212" cy="367368"/>
           </a:xfrm>
           <a:prstGeom prst="rect">
             <a:avLst/>
           </a:prstGeom>
+          <a:ln w="9525"/>
         </p:spPr>
         <p:style>
           <a:lnRef idx="2">
-            <a:schemeClr val="accent1">
-              <a:shade val="50000"/>
-            </a:schemeClr>
+            <a:schemeClr val="dk1"/>
           </a:lnRef>
           <a:fillRef idx="1">
-            <a:schemeClr val="accent1"/>
+            <a:schemeClr val="lt1"/>
           </a:fillRef>
           <a:effectRef idx="0">
-            <a:schemeClr val="accent1"/>
+            <a:schemeClr val="dk1"/>
           </a:effectRef>
           <a:fontRef idx="minor">
-            <a:schemeClr val="lt1"/>
+            <a:schemeClr val="dk1"/>
           </a:fontRef>
         </p:style>
         <p:txBody>
@@ -6872,7 +6948,10 @@
           <a:p>
             <a:pPr algn="ctr"/>
             <a:r>
-              <a:rPr lang="en-US" sz="1200" dirty="0"/>
+              <a:rPr lang="en-US" sz="1200" dirty="0">
+                <a:latin typeface="Arial" panose="020B0604020202020204" pitchFamily="34" charset="0"/>
+                <a:cs typeface="Arial" panose="020B0604020202020204" pitchFamily="34" charset="0"/>
+              </a:rPr>
               <a:t>General Manager</a:t>
             </a:r>
           </a:p>
@@ -6893,14 +6972,14 @@
           <p:nvPr/>
         </p:nvCxnSpPr>
         <p:spPr>
-          <a:xfrm flipH="1">
-            <a:off x="4895608" y="1048108"/>
-            <a:ext cx="13182" cy="5613949"/>
+          <a:xfrm>
+            <a:off x="4889588" y="794040"/>
+            <a:ext cx="6020" cy="5868017"/>
           </a:xfrm>
           <a:prstGeom prst="line">
             <a:avLst/>
           </a:prstGeom>
-          <a:ln w="28575">
+          <a:ln w="19050">
             <a:prstDash val="dash"/>
           </a:ln>
         </p:spPr>
@@ -6933,27 +7012,26 @@
         </p:nvSpPr>
         <p:spPr>
           <a:xfrm>
-            <a:off x="6512816" y="415150"/>
-            <a:ext cx="1100831" cy="621437"/>
+            <a:off x="6512816" y="415151"/>
+            <a:ext cx="1100831" cy="378890"/>
           </a:xfrm>
           <a:prstGeom prst="rect">
             <a:avLst/>
           </a:prstGeom>
+          <a:ln w="9525"/>
         </p:spPr>
         <p:style>
           <a:lnRef idx="2">
-            <a:schemeClr val="accent1">
-              <a:shade val="50000"/>
-            </a:schemeClr>
+            <a:schemeClr val="dk1"/>
           </a:lnRef>
           <a:fillRef idx="1">
-            <a:schemeClr val="accent1"/>
+            <a:schemeClr val="lt1"/>
           </a:fillRef>
           <a:effectRef idx="0">
-            <a:schemeClr val="accent1"/>
+            <a:schemeClr val="dk1"/>
           </a:effectRef>
           <a:fontRef idx="minor">
-            <a:schemeClr val="lt1"/>
+            <a:schemeClr val="dk1"/>
           </a:fontRef>
         </p:style>
         <p:txBody>
@@ -6962,7 +7040,10 @@
           <a:p>
             <a:pPr algn="ctr"/>
             <a:r>
-              <a:rPr lang="en-US" sz="1200" dirty="0"/>
+              <a:rPr lang="en-US" sz="1200" dirty="0">
+                <a:latin typeface="Arial" panose="020B0604020202020204" pitchFamily="34" charset="0"/>
+                <a:cs typeface="Arial" panose="020B0604020202020204" pitchFamily="34" charset="0"/>
+              </a:rPr>
               <a:t>Finance</a:t>
             </a:r>
           </a:p>
@@ -6979,18 +7060,19 @@
           </p:cNvPr>
           <p:cNvCxnSpPr>
             <a:cxnSpLocks/>
+            <a:stCxn id="62" idx="2"/>
           </p:cNvCxnSpPr>
           <p:nvPr/>
         </p:nvCxnSpPr>
         <p:spPr>
           <a:xfrm>
-            <a:off x="7053910" y="1036588"/>
-            <a:ext cx="30532" cy="5625469"/>
+            <a:off x="7063232" y="794041"/>
+            <a:ext cx="21210" cy="5868016"/>
           </a:xfrm>
           <a:prstGeom prst="line">
             <a:avLst/>
           </a:prstGeom>
-          <a:ln w="28575">
+          <a:ln w="19050">
             <a:prstDash val="dash"/>
           </a:ln>
         </p:spPr>
@@ -7024,14 +7106,17 @@
           <p:nvPr/>
         </p:nvCxnSpPr>
         <p:spPr>
-          <a:xfrm flipV="1">
-            <a:off x="815607" y="5203493"/>
-            <a:ext cx="1831162" cy="21512"/>
+          <a:xfrm>
+            <a:off x="873112" y="5149085"/>
+            <a:ext cx="1772855" cy="0"/>
           </a:xfrm>
           <a:prstGeom prst="straightConnector1">
             <a:avLst/>
           </a:prstGeom>
-          <a:ln w="38100">
+          <a:ln w="12700">
+            <a:solidFill>
+              <a:srgbClr val="0070C0"/>
+            </a:solidFill>
             <a:headEnd type="oval" w="med" len="med"/>
             <a:tailEnd type="triangle" w="med" len="med"/>
           </a:ln>
@@ -7065,8 +7150,8 @@
         </p:nvSpPr>
         <p:spPr>
           <a:xfrm>
-            <a:off x="1249628" y="4957272"/>
-            <a:ext cx="1053937" cy="246221"/>
+            <a:off x="834633" y="4908034"/>
+            <a:ext cx="704888" cy="246221"/>
           </a:xfrm>
           <a:prstGeom prst="rect">
             <a:avLst/>
@@ -7080,8 +7165,11 @@
           <a:lstStyle/>
           <a:p>
             <a:r>
-              <a:rPr lang="en-US" sz="1000" dirty="0"/>
-              <a:t>Finance Quote</a:t>
+              <a:rPr lang="en-US" sz="1000" dirty="0">
+                <a:latin typeface="Arial" panose="020B0604020202020204" pitchFamily="34" charset="0"/>
+                <a:cs typeface="Arial" panose="020B0604020202020204" pitchFamily="34" charset="0"/>
+              </a:rPr>
+              <a:t>Pending</a:t>
             </a:r>
           </a:p>
         </p:txBody>
@@ -7100,7 +7188,7 @@
         </p:nvSpPr>
         <p:spPr>
           <a:xfrm>
-            <a:off x="9109385" y="1620954"/>
+            <a:off x="9327437" y="1656123"/>
             <a:ext cx="931665" cy="246221"/>
           </a:xfrm>
           <a:prstGeom prst="rect">
@@ -7115,7 +7203,10 @@
           <a:lstStyle/>
           <a:p>
             <a:r>
-              <a:rPr lang="en-US" sz="1000" dirty="0"/>
+              <a:rPr lang="en-US" sz="1000" dirty="0">
+                <a:latin typeface="Arial" panose="020B0604020202020204" pitchFamily="34" charset="0"/>
+                <a:cs typeface="Arial" panose="020B0604020202020204" pitchFamily="34" charset="0"/>
+              </a:rPr>
               <a:t>PM Rejected</a:t>
             </a:r>
           </a:p>
@@ -7135,14 +7226,20 @@
         </p:nvSpPr>
         <p:spPr>
           <a:xfrm>
-            <a:off x="2367365" y="2329288"/>
-            <a:ext cx="8194885" cy="723004"/>
+            <a:off x="2573908" y="2329288"/>
+            <a:ext cx="7793981" cy="723004"/>
           </a:xfrm>
           <a:prstGeom prst="rect">
             <a:avLst/>
           </a:prstGeom>
           <a:noFill/>
           <a:ln>
+            <a:solidFill>
+              <a:schemeClr val="tx2">
+                <a:lumMod val="60000"/>
+                <a:lumOff val="40000"/>
+              </a:schemeClr>
+            </a:solidFill>
             <a:prstDash val="dash"/>
           </a:ln>
         </p:spPr>
@@ -7186,12 +7283,15 @@
         <p:spPr>
           <a:xfrm>
             <a:off x="2662804" y="3778893"/>
-            <a:ext cx="2262823" cy="0"/>
+            <a:ext cx="2169448" cy="0"/>
           </a:xfrm>
           <a:prstGeom prst="straightConnector1">
             <a:avLst/>
           </a:prstGeom>
-          <a:ln w="38100">
+          <a:ln w="12700">
+            <a:solidFill>
+              <a:srgbClr val="00B050"/>
+            </a:solidFill>
             <a:headEnd type="oval" w="med" len="med"/>
             <a:tailEnd type="triangle" w="med" len="med"/>
           </a:ln>
@@ -7225,8 +7325,8 @@
         </p:nvSpPr>
         <p:spPr>
           <a:xfrm>
-            <a:off x="3231912" y="3504819"/>
-            <a:ext cx="1010213" cy="246221"/>
+            <a:off x="2662164" y="3504819"/>
+            <a:ext cx="1346844" cy="246221"/>
           </a:xfrm>
           <a:prstGeom prst="rect">
             <a:avLst/>
@@ -7240,8 +7340,11 @@
           <a:lstStyle/>
           <a:p>
             <a:r>
-              <a:rPr lang="en-US" sz="1000" dirty="0"/>
-              <a:t>DM Approved</a:t>
+              <a:rPr lang="en-US" sz="1000" dirty="0">
+                <a:latin typeface="Arial" panose="020B0604020202020204" pitchFamily="34" charset="0"/>
+                <a:cs typeface="Arial" panose="020B0604020202020204" pitchFamily="34" charset="0"/>
+              </a:rPr>
+              <a:t>DM Quote Approved</a:t>
             </a:r>
           </a:p>
         </p:txBody>
@@ -7268,7 +7371,10 @@
           <a:prstGeom prst="straightConnector1">
             <a:avLst/>
           </a:prstGeom>
-          <a:ln w="38100">
+          <a:ln w="12700">
+            <a:solidFill>
+              <a:srgbClr val="FF0000"/>
+            </a:solidFill>
             <a:headEnd type="oval" w="med" len="med"/>
             <a:tailEnd type="triangle" w="med" len="med"/>
           </a:ln>
@@ -7310,7 +7416,10 @@
           <a:prstGeom prst="straightConnector1">
             <a:avLst/>
           </a:prstGeom>
-          <a:ln w="38100">
+          <a:ln w="12700">
+            <a:solidFill>
+              <a:srgbClr val="00B050"/>
+            </a:solidFill>
             <a:headEnd type="oval" w="med" len="med"/>
             <a:tailEnd type="triangle" w="med" len="med"/>
           </a:ln>
@@ -7344,13 +7453,16 @@
         </p:nvSpPr>
         <p:spPr>
           <a:xfrm>
-            <a:off x="5423560" y="4207241"/>
-            <a:ext cx="1010213" cy="246221"/>
+            <a:off x="4903057" y="4207241"/>
+            <a:ext cx="1401346" cy="246221"/>
           </a:xfrm>
           <a:prstGeom prst="rect">
             <a:avLst/>
           </a:prstGeom>
           <a:noFill/>
+          <a:ln>
+            <a:noFill/>
+          </a:ln>
         </p:spPr>
         <p:txBody>
           <a:bodyPr wrap="none" rtlCol="0">
@@ -7359,8 +7471,11 @@
           <a:lstStyle/>
           <a:p>
             <a:r>
-              <a:rPr lang="en-US" sz="1000" dirty="0"/>
-              <a:t>GM Approved</a:t>
+              <a:rPr lang="en-US" sz="1000" dirty="0">
+                <a:latin typeface="Arial" panose="020B0604020202020204" pitchFamily="34" charset="0"/>
+                <a:cs typeface="Arial" panose="020B0604020202020204" pitchFamily="34" charset="0"/>
+              </a:rPr>
+              <a:t>GM Quote Approved</a:t>
             </a:r>
           </a:p>
         </p:txBody>
@@ -7381,13 +7496,16 @@
         </p:nvCxnSpPr>
         <p:spPr>
           <a:xfrm>
-            <a:off x="2682809" y="5321259"/>
-            <a:ext cx="2242818" cy="0"/>
+            <a:off x="2740445" y="5671825"/>
+            <a:ext cx="2149143" cy="7871"/>
           </a:xfrm>
           <a:prstGeom prst="straightConnector1">
             <a:avLst/>
           </a:prstGeom>
-          <a:ln w="38100">
+          <a:ln w="12700">
+            <a:solidFill>
+              <a:srgbClr val="00B050"/>
+            </a:solidFill>
             <a:headEnd type="oval" w="med" len="med"/>
             <a:tailEnd type="triangle" w="med" len="med"/>
           </a:ln>
@@ -7421,8 +7539,8 @@
         </p:nvSpPr>
         <p:spPr>
           <a:xfrm>
-            <a:off x="3328271" y="5458998"/>
-            <a:ext cx="946093" cy="246221"/>
+            <a:off x="3581333" y="5723084"/>
+            <a:ext cx="1337226" cy="246221"/>
           </a:xfrm>
           <a:prstGeom prst="rect">
             <a:avLst/>
@@ -7436,8 +7554,11 @@
           <a:lstStyle/>
           <a:p>
             <a:r>
-              <a:rPr lang="en-US" sz="1000" dirty="0"/>
-              <a:t>GM Rejected</a:t>
+              <a:rPr lang="en-US" sz="1000" dirty="0">
+                <a:latin typeface="Arial" panose="020B0604020202020204" pitchFamily="34" charset="0"/>
+                <a:cs typeface="Arial" panose="020B0604020202020204" pitchFamily="34" charset="0"/>
+              </a:rPr>
+              <a:t>GM Quote Rejected</a:t>
             </a:r>
           </a:p>
         </p:txBody>
@@ -7458,13 +7579,16 @@
         </p:nvCxnSpPr>
         <p:spPr>
           <a:xfrm flipH="1">
-            <a:off x="815607" y="5690047"/>
+            <a:off x="815607" y="5985472"/>
             <a:ext cx="4073981" cy="5301"/>
           </a:xfrm>
           <a:prstGeom prst="straightConnector1">
             <a:avLst/>
           </a:prstGeom>
-          <a:ln w="38100">
+          <a:ln w="12700">
+            <a:solidFill>
+              <a:srgbClr val="FF0000"/>
+            </a:solidFill>
             <a:headEnd type="oval" w="med" len="med"/>
             <a:tailEnd type="triangle" w="med" len="med"/>
           </a:ln>
@@ -7500,13 +7624,16 @@
         </p:nvCxnSpPr>
         <p:spPr>
           <a:xfrm flipH="1">
-            <a:off x="786963" y="1794968"/>
-            <a:ext cx="1786945" cy="0"/>
+            <a:off x="834633" y="1794968"/>
+            <a:ext cx="1739276" cy="0"/>
           </a:xfrm>
           <a:prstGeom prst="straightConnector1">
             <a:avLst/>
           </a:prstGeom>
-          <a:ln w="38100">
+          <a:ln w="12700">
+            <a:solidFill>
+              <a:srgbClr val="FF0000"/>
+            </a:solidFill>
             <a:headEnd type="oval" w="med" len="med"/>
             <a:tailEnd type="triangle" w="med" len="med"/>
           </a:ln>
@@ -7540,7 +7667,7 @@
         </p:nvSpPr>
         <p:spPr>
           <a:xfrm>
-            <a:off x="1330527" y="1535575"/>
+            <a:off x="1689255" y="1535575"/>
             <a:ext cx="946093" cy="246221"/>
           </a:xfrm>
           <a:prstGeom prst="rect">
@@ -7555,7 +7682,10 @@
           <a:lstStyle/>
           <a:p>
             <a:r>
-              <a:rPr lang="en-US" sz="1000" dirty="0"/>
+              <a:rPr lang="en-US" sz="1000" dirty="0">
+                <a:latin typeface="Arial" panose="020B0604020202020204" pitchFamily="34" charset="0"/>
+                <a:cs typeface="Arial" panose="020B0604020202020204" pitchFamily="34" charset="0"/>
+              </a:rPr>
               <a:t>DM Rejected</a:t>
             </a:r>
           </a:p>
@@ -7577,13 +7707,16 @@
         </p:nvCxnSpPr>
         <p:spPr>
           <a:xfrm>
-            <a:off x="2740445" y="6015256"/>
+            <a:off x="2740445" y="6261442"/>
             <a:ext cx="4313465" cy="0"/>
           </a:xfrm>
           <a:prstGeom prst="straightConnector1">
             <a:avLst/>
           </a:prstGeom>
-          <a:ln w="38100">
+          <a:ln w="12700">
+            <a:solidFill>
+              <a:srgbClr val="00B050"/>
+            </a:solidFill>
             <a:headEnd type="oval" w="med" len="med"/>
             <a:tailEnd type="triangle" w="med" len="med"/>
           </a:ln>
@@ -7617,8 +7750,8 @@
         </p:nvSpPr>
         <p:spPr>
           <a:xfrm>
-            <a:off x="3302035" y="5772525"/>
-            <a:ext cx="1010213" cy="246221"/>
+            <a:off x="2711192" y="6018711"/>
+            <a:ext cx="1346844" cy="246221"/>
           </a:xfrm>
           <a:prstGeom prst="rect">
             <a:avLst/>
@@ -7632,8 +7765,11 @@
           <a:lstStyle/>
           <a:p>
             <a:r>
-              <a:rPr lang="en-US" sz="1000" dirty="0"/>
-              <a:t>DM Approved</a:t>
+              <a:rPr lang="en-US" sz="1000" dirty="0">
+                <a:latin typeface="Arial" panose="020B0604020202020204" pitchFamily="34" charset="0"/>
+                <a:cs typeface="Arial" panose="020B0604020202020204" pitchFamily="34" charset="0"/>
+              </a:rPr>
+              <a:t>DM Quote Approved</a:t>
             </a:r>
           </a:p>
         </p:txBody>
@@ -7654,13 +7790,16 @@
         </p:nvCxnSpPr>
         <p:spPr>
           <a:xfrm>
-            <a:off x="4930081" y="5554115"/>
-            <a:ext cx="2154361" cy="0"/>
+            <a:off x="5029200" y="5679696"/>
+            <a:ext cx="1997277" cy="0"/>
           </a:xfrm>
           <a:prstGeom prst="straightConnector1">
             <a:avLst/>
           </a:prstGeom>
-          <a:ln w="38100">
+          <a:ln w="12700">
+            <a:solidFill>
+              <a:srgbClr val="00B050"/>
+            </a:solidFill>
             <a:headEnd type="oval" w="med" len="med"/>
             <a:tailEnd type="triangle" w="med" len="med"/>
           </a:ln>
@@ -7694,8 +7833,8 @@
         </p:nvSpPr>
         <p:spPr>
           <a:xfrm>
-            <a:off x="5557881" y="5272746"/>
-            <a:ext cx="1010213" cy="246221"/>
+            <a:off x="4959999" y="5385290"/>
+            <a:ext cx="1401346" cy="246221"/>
           </a:xfrm>
           <a:prstGeom prst="rect">
             <a:avLst/>
@@ -7709,8 +7848,11 @@
           <a:lstStyle/>
           <a:p>
             <a:r>
-              <a:rPr lang="en-US" sz="1000" dirty="0"/>
-              <a:t>GM Approved</a:t>
+              <a:rPr lang="en-US" sz="1000" dirty="0">
+                <a:latin typeface="Arial" panose="020B0604020202020204" pitchFamily="34" charset="0"/>
+                <a:cs typeface="Arial" panose="020B0604020202020204" pitchFamily="34" charset="0"/>
+              </a:rPr>
+              <a:t>GM Quote Approved</a:t>
             </a:r>
           </a:p>
         </p:txBody>
@@ -7729,8 +7871,8 @@
         </p:nvSpPr>
         <p:spPr>
           <a:xfrm>
-            <a:off x="3328271" y="5080948"/>
-            <a:ext cx="1010213" cy="246221"/>
+            <a:off x="2786661" y="5425604"/>
+            <a:ext cx="1346844" cy="246221"/>
           </a:xfrm>
           <a:prstGeom prst="rect">
             <a:avLst/>
@@ -7744,8 +7886,11 @@
           <a:lstStyle/>
           <a:p>
             <a:r>
-              <a:rPr lang="en-US" sz="1000" dirty="0"/>
-              <a:t>DM Approved</a:t>
+              <a:rPr lang="en-US" sz="1000" dirty="0">
+                <a:latin typeface="Arial" panose="020B0604020202020204" pitchFamily="34" charset="0"/>
+                <a:cs typeface="Arial" panose="020B0604020202020204" pitchFamily="34" charset="0"/>
+              </a:rPr>
+              <a:t>DM Quote Approved</a:t>
             </a:r>
           </a:p>
         </p:txBody>
@@ -7767,12 +7912,15 @@
         <p:spPr>
           <a:xfrm flipH="1" flipV="1">
             <a:off x="833012" y="4839520"/>
-            <a:ext cx="7761467" cy="4034"/>
+            <a:ext cx="7761468" cy="4034"/>
           </a:xfrm>
           <a:prstGeom prst="straightConnector1">
             <a:avLst/>
           </a:prstGeom>
-          <a:ln w="38100">
+          <a:ln w="12700">
+            <a:solidFill>
+              <a:schemeClr val="tx1"/>
+            </a:solidFill>
             <a:headEnd type="oval" w="med" len="med"/>
             <a:tailEnd type="triangle" w="med" len="med"/>
           </a:ln>
@@ -7807,7 +7955,7 @@
         <p:spPr>
           <a:xfrm>
             <a:off x="7378390" y="4597333"/>
-            <a:ext cx="737702" cy="246221"/>
+            <a:ext cx="696024" cy="246221"/>
           </a:xfrm>
           <a:prstGeom prst="rect">
             <a:avLst/>
@@ -7821,7 +7969,10 @@
           <a:lstStyle/>
           <a:p>
             <a:r>
-              <a:rPr lang="en-US" sz="1000" dirty="0"/>
+              <a:rPr lang="en-US" sz="1000" dirty="0">
+                <a:latin typeface="Arial" panose="020B0604020202020204" pitchFamily="34" charset="0"/>
+                <a:cs typeface="Arial" panose="020B0604020202020204" pitchFamily="34" charset="0"/>
+              </a:rPr>
               <a:t>Finalized</a:t>
             </a:r>
           </a:p>
@@ -7843,13 +7994,16 @@
         </p:nvCxnSpPr>
         <p:spPr>
           <a:xfrm flipH="1">
-            <a:off x="805950" y="6476397"/>
-            <a:ext cx="6278492" cy="24744"/>
+            <a:off x="873112" y="6579953"/>
+            <a:ext cx="6153365" cy="0"/>
           </a:xfrm>
           <a:prstGeom prst="straightConnector1">
             <a:avLst/>
           </a:prstGeom>
-          <a:ln w="38100">
+          <a:ln w="12700">
+            <a:solidFill>
+              <a:schemeClr val="tx1"/>
+            </a:solidFill>
             <a:headEnd type="oval" w="med" len="med"/>
             <a:tailEnd type="triangle" w="med" len="med"/>
           </a:ln>
@@ -7883,7 +8037,7 @@
         </p:nvSpPr>
         <p:spPr>
           <a:xfrm>
-            <a:off x="5572933" y="6240690"/>
+            <a:off x="5572933" y="6318064"/>
             <a:ext cx="737702" cy="246221"/>
           </a:xfrm>
           <a:prstGeom prst="rect">
@@ -7901,6 +8055,104 @@
               <a:rPr lang="en-US" sz="1000" dirty="0"/>
               <a:t>Finalized</a:t>
             </a:r>
+          </a:p>
+        </p:txBody>
+      </p:sp>
+      <p:sp>
+        <p:nvSpPr>
+          <p:cNvPr id="73" name="Rectangle 72">
+            <a:extLst>
+              <a:ext uri="{FF2B5EF4-FFF2-40B4-BE49-F238E27FC236}">
+                <a16:creationId xmlns:a16="http://schemas.microsoft.com/office/drawing/2014/main" id="{43E81037-658A-425F-9056-487A02698330}"/>
+              </a:ext>
+            </a:extLst>
+          </p:cNvPr>
+          <p:cNvSpPr/>
+          <p:nvPr/>
+        </p:nvSpPr>
+        <p:spPr>
+          <a:xfrm>
+            <a:off x="632167" y="4936321"/>
+            <a:ext cx="2167017" cy="629645"/>
+          </a:xfrm>
+          <a:prstGeom prst="rect">
+            <a:avLst/>
+          </a:prstGeom>
+          <a:noFill/>
+          <a:ln>
+            <a:solidFill>
+              <a:schemeClr val="tx2">
+                <a:lumMod val="60000"/>
+                <a:lumOff val="40000"/>
+              </a:schemeClr>
+            </a:solidFill>
+            <a:prstDash val="dash"/>
+          </a:ln>
+        </p:spPr>
+        <p:style>
+          <a:lnRef idx="2">
+            <a:schemeClr val="dk1"/>
+          </a:lnRef>
+          <a:fillRef idx="1">
+            <a:schemeClr val="lt1"/>
+          </a:fillRef>
+          <a:effectRef idx="0">
+            <a:schemeClr val="dk1"/>
+          </a:effectRef>
+          <a:fontRef idx="minor">
+            <a:schemeClr val="dk1"/>
+          </a:fontRef>
+        </p:style>
+        <p:txBody>
+          <a:bodyPr rtlCol="0" anchor="ctr"/>
+          <a:lstStyle/>
+          <a:p>
+            <a:pPr algn="ctr"/>
+            <a:endParaRPr lang="en-US"/>
+          </a:p>
+        </p:txBody>
+      </p:sp>
+      <p:sp>
+        <p:nvSpPr>
+          <p:cNvPr id="57" name="Left Brace 56">
+            <a:extLst>
+              <a:ext uri="{FF2B5EF4-FFF2-40B4-BE49-F238E27FC236}">
+                <a16:creationId xmlns:a16="http://schemas.microsoft.com/office/drawing/2014/main" id="{1F8D67E7-4C46-4210-BA8D-53D232CAD9F0}"/>
+              </a:ext>
+            </a:extLst>
+          </p:cNvPr>
+          <p:cNvSpPr/>
+          <p:nvPr/>
+        </p:nvSpPr>
+        <p:spPr>
+          <a:xfrm>
+            <a:off x="422031" y="6133514"/>
+            <a:ext cx="191817" cy="618978"/>
+          </a:xfrm>
+          <a:prstGeom prst="leftBrace">
+            <a:avLst/>
+          </a:prstGeom>
+        </p:spPr>
+        <p:style>
+          <a:lnRef idx="1">
+            <a:schemeClr val="accent1"/>
+          </a:lnRef>
+          <a:fillRef idx="0">
+            <a:schemeClr val="accent1"/>
+          </a:fillRef>
+          <a:effectRef idx="0">
+            <a:schemeClr val="accent1"/>
+          </a:effectRef>
+          <a:fontRef idx="minor">
+            <a:schemeClr val="tx1"/>
+          </a:fontRef>
+        </p:style>
+        <p:txBody>
+          <a:bodyPr rtlCol="0" anchor="ctr"/>
+          <a:lstStyle/>
+          <a:p>
+            <a:pPr algn="ctr"/>
+            <a:endParaRPr lang="en-US"/>
           </a:p>
         </p:txBody>
       </p:sp>

--- a/definition/PR.PPTX
+++ b/definition/PR.PPTX
@@ -292,7 +292,7 @@
             <a:fld id="{5586B75A-687E-405C-8A0B-8D00578BA2C3}" type="datetimeFigureOut">
               <a:rPr lang="en-US" smtClean="0"/>
               <a:pPr/>
-              <a:t>4/16/2018</a:t>
+              <a:t>4/17/2018</a:t>
             </a:fld>
             <a:endParaRPr lang="en-US"/>
           </a:p>
@@ -527,7 +527,7 @@
             <a:fld id="{5586B75A-687E-405C-8A0B-8D00578BA2C3}" type="datetimeFigureOut">
               <a:rPr lang="en-US" smtClean="0"/>
               <a:pPr/>
-              <a:t>4/16/2018</a:t>
+              <a:t>4/17/2018</a:t>
             </a:fld>
             <a:endParaRPr lang="en-US"/>
           </a:p>
@@ -709,7 +709,7 @@
             <a:fld id="{5586B75A-687E-405C-8A0B-8D00578BA2C3}" type="datetimeFigureOut">
               <a:rPr lang="en-US" smtClean="0"/>
               <a:pPr/>
-              <a:t>4/16/2018</a:t>
+              <a:t>4/17/2018</a:t>
             </a:fld>
             <a:endParaRPr lang="en-US"/>
           </a:p>
@@ -886,7 +886,7 @@
             <a:fld id="{5586B75A-687E-405C-8A0B-8D00578BA2C3}" type="datetimeFigureOut">
               <a:rPr lang="en-US" smtClean="0"/>
               <a:pPr/>
-              <a:t>4/16/2018</a:t>
+              <a:t>4/17/2018</a:t>
             </a:fld>
             <a:endParaRPr lang="en-US"/>
           </a:p>
@@ -1142,7 +1142,7 @@
             <a:fld id="{5586B75A-687E-405C-8A0B-8D00578BA2C3}" type="datetimeFigureOut">
               <a:rPr lang="en-US" smtClean="0"/>
               <a:pPr/>
-              <a:t>4/16/2018</a:t>
+              <a:t>4/17/2018</a:t>
             </a:fld>
             <a:endParaRPr lang="en-US"/>
           </a:p>
@@ -1475,7 +1475,7 @@
             <a:fld id="{5586B75A-687E-405C-8A0B-8D00578BA2C3}" type="datetimeFigureOut">
               <a:rPr lang="en-US" smtClean="0"/>
               <a:pPr/>
-              <a:t>4/16/2018</a:t>
+              <a:t>4/17/2018</a:t>
             </a:fld>
             <a:endParaRPr lang="en-US"/>
           </a:p>
@@ -1933,7 +1933,7 @@
             <a:fld id="{5586B75A-687E-405C-8A0B-8D00578BA2C3}" type="datetimeFigureOut">
               <a:rPr lang="en-US" smtClean="0"/>
               <a:pPr/>
-              <a:t>4/16/2018</a:t>
+              <a:t>4/17/2018</a:t>
             </a:fld>
             <a:endParaRPr lang="en-US"/>
           </a:p>
@@ -2058,7 +2058,7 @@
             <a:fld id="{5586B75A-687E-405C-8A0B-8D00578BA2C3}" type="datetimeFigureOut">
               <a:rPr lang="en-US" smtClean="0"/>
               <a:pPr/>
-              <a:t>4/16/2018</a:t>
+              <a:t>4/17/2018</a:t>
             </a:fld>
             <a:endParaRPr lang="en-US"/>
           </a:p>
@@ -2155,7 +2155,7 @@
             <a:fld id="{5586B75A-687E-405C-8A0B-8D00578BA2C3}" type="datetimeFigureOut">
               <a:rPr lang="en-US" smtClean="0"/>
               <a:pPr/>
-              <a:t>4/16/2018</a:t>
+              <a:t>4/17/2018</a:t>
             </a:fld>
             <a:endParaRPr lang="en-US"/>
           </a:p>
@@ -2444,7 +2444,7 @@
             <a:fld id="{5586B75A-687E-405C-8A0B-8D00578BA2C3}" type="datetimeFigureOut">
               <a:rPr lang="en-US" smtClean="0"/>
               <a:pPr/>
-              <a:t>4/16/2018</a:t>
+              <a:t>4/17/2018</a:t>
             </a:fld>
             <a:endParaRPr lang="en-US"/>
           </a:p>
@@ -2775,7 +2775,7 @@
             <a:fld id="{5586B75A-687E-405C-8A0B-8D00578BA2C3}" type="datetimeFigureOut">
               <a:rPr lang="en-US" smtClean="0"/>
               <a:pPr/>
-              <a:t>4/16/2018</a:t>
+              <a:t>4/17/2018</a:t>
             </a:fld>
             <a:endParaRPr lang="en-US"/>
           </a:p>
@@ -3031,7 +3031,7 @@
             <a:fld id="{5586B75A-687E-405C-8A0B-8D00578BA2C3}" type="datetimeFigureOut">
               <a:rPr lang="en-US" smtClean="0"/>
               <a:pPr/>
-              <a:t>4/16/2018</a:t>
+              <a:t>4/17/2018</a:t>
             </a:fld>
             <a:endParaRPr lang="en-US"/>
           </a:p>
@@ -8126,11 +8126,58 @@
         </p:nvSpPr>
         <p:spPr>
           <a:xfrm>
-            <a:off x="422031" y="6133514"/>
-            <a:ext cx="191817" cy="618978"/>
+            <a:off x="252427" y="4817083"/>
+            <a:ext cx="235238" cy="1747202"/>
           </a:xfrm>
           <a:prstGeom prst="leftBrace">
             <a:avLst/>
+          </a:prstGeom>
+        </p:spPr>
+        <p:style>
+          <a:lnRef idx="1">
+            <a:schemeClr val="accent1"/>
+          </a:lnRef>
+          <a:fillRef idx="0">
+            <a:schemeClr val="accent1"/>
+          </a:fillRef>
+          <a:effectRef idx="0">
+            <a:schemeClr val="accent1"/>
+          </a:effectRef>
+          <a:fontRef idx="minor">
+            <a:schemeClr val="tx1"/>
+          </a:fontRef>
+        </p:style>
+        <p:txBody>
+          <a:bodyPr rtlCol="0" anchor="ctr"/>
+          <a:lstStyle/>
+          <a:p>
+            <a:pPr algn="ctr"/>
+            <a:endParaRPr lang="en-US"/>
+          </a:p>
+        </p:txBody>
+      </p:sp>
+      <p:sp>
+        <p:nvSpPr>
+          <p:cNvPr id="58" name="Left Brace 57">
+            <a:extLst>
+              <a:ext uri="{FF2B5EF4-FFF2-40B4-BE49-F238E27FC236}">
+                <a16:creationId xmlns:a16="http://schemas.microsoft.com/office/drawing/2014/main" id="{97E8F18C-3B76-4A62-8303-091EDEAACFB1}"/>
+              </a:ext>
+            </a:extLst>
+          </p:cNvPr>
+          <p:cNvSpPr/>
+          <p:nvPr/>
+        </p:nvSpPr>
+        <p:spPr>
+          <a:xfrm>
+            <a:off x="241599" y="1265013"/>
+            <a:ext cx="235238" cy="3332320"/>
+          </a:xfrm>
+          <a:prstGeom prst="leftBrace">
+            <a:avLst>
+              <a:gd name="adj1" fmla="val 30705"/>
+              <a:gd name="adj2" fmla="val 50000"/>
+            </a:avLst>
           </a:prstGeom>
         </p:spPr>
         <p:style>
